--- a/总体设计/G01小组总体设计PPT0.1.pptx
+++ b/总体设计/G01小组总体设计PPT0.1.pptx
@@ -324,7 +324,7 @@
           <a:p>
             <a:fld id="{D2A48B96-639E-45A3-A0BA-2464DFDB1FAA}" type="datetimeFigureOut">
               <a:rPr lang="zh-CN" altLang="en-US" smtClean="0"/>
-              <a:t>2020/12/2</a:t>
+              <a:t>2020/12/3</a:t>
             </a:fld>
             <a:endParaRPr lang="zh-CN" altLang="en-US"/>
           </a:p>
@@ -1417,7 +1417,7 @@
           <a:p>
             <a:fld id="{760FBDFE-C587-4B4C-A407-44438C67B59E}" type="datetimeFigureOut">
               <a:rPr lang="zh-CN" altLang="en-US" smtClean="0"/>
-              <a:t>2020/12/2</a:t>
+              <a:t>2020/12/3</a:t>
             </a:fld>
             <a:endParaRPr lang="zh-CN" altLang="en-US"/>
           </a:p>
@@ -1641,7 +1641,7 @@
           <a:p>
             <a:fld id="{760FBDFE-C587-4B4C-A407-44438C67B59E}" type="datetimeFigureOut">
               <a:rPr lang="zh-CN" altLang="en-US" smtClean="0"/>
-              <a:t>2020/12/2</a:t>
+              <a:t>2020/12/3</a:t>
             </a:fld>
             <a:endParaRPr lang="zh-CN" altLang="en-US"/>
           </a:p>
@@ -2146,7 +2146,7 @@
           <a:p>
             <a:fld id="{760FBDFE-C587-4B4C-A407-44438C67B59E}" type="datetimeFigureOut">
               <a:rPr lang="zh-CN" altLang="en-US" smtClean="0"/>
-              <a:t>2020/12/2</a:t>
+              <a:t>2020/12/3</a:t>
             </a:fld>
             <a:endParaRPr lang="zh-CN" altLang="en-US"/>
           </a:p>
@@ -4168,7 +4168,7 @@
           <a:p>
             <a:fld id="{760FBDFE-C587-4B4C-A407-44438C67B59E}" type="datetimeFigureOut">
               <a:rPr lang="zh-CN" altLang="en-US" smtClean="0"/>
-              <a:t>2020/12/2</a:t>
+              <a:t>2020/12/3</a:t>
             </a:fld>
             <a:endParaRPr lang="zh-CN" altLang="en-US"/>
           </a:p>
@@ -5062,7 +5062,7 @@
           <a:p>
             <a:fld id="{DDC86826-C030-4ABB-BAB8-ECCBC086F54C}" type="datetimeFigureOut">
               <a:rPr lang="zh-CN" altLang="en-US" smtClean="0"/>
-              <a:t>2020/12/2</a:t>
+              <a:t>2020/12/3</a:t>
             </a:fld>
             <a:endParaRPr lang="zh-CN" altLang="en-US"/>
           </a:p>
@@ -5253,7 +5253,7 @@
           <a:p>
             <a:fld id="{DDC86826-C030-4ABB-BAB8-ECCBC086F54C}" type="datetimeFigureOut">
               <a:rPr lang="zh-CN" altLang="en-US" smtClean="0"/>
-              <a:t>2020/12/2</a:t>
+              <a:t>2020/12/3</a:t>
             </a:fld>
             <a:endParaRPr lang="zh-CN" altLang="en-US"/>
           </a:p>
@@ -5595,7 +5595,7 @@
           <a:p>
             <a:fld id="{DDC86826-C030-4ABB-BAB8-ECCBC086F54C}" type="datetimeFigureOut">
               <a:rPr lang="zh-CN" altLang="en-US" smtClean="0"/>
-              <a:t>2020/12/2</a:t>
+              <a:t>2020/12/3</a:t>
             </a:fld>
             <a:endParaRPr lang="zh-CN" altLang="en-US"/>
           </a:p>
@@ -5847,7 +5847,7 @@
           <a:p>
             <a:fld id="{DDC86826-C030-4ABB-BAB8-ECCBC086F54C}" type="datetimeFigureOut">
               <a:rPr lang="zh-CN" altLang="en-US" smtClean="0"/>
-              <a:t>2020/12/2</a:t>
+              <a:t>2020/12/3</a:t>
             </a:fld>
             <a:endParaRPr lang="zh-CN" altLang="en-US"/>
           </a:p>
@@ -6244,7 +6244,7 @@
           <a:p>
             <a:fld id="{DDC86826-C030-4ABB-BAB8-ECCBC086F54C}" type="datetimeFigureOut">
               <a:rPr lang="zh-CN" altLang="en-US" smtClean="0"/>
-              <a:t>2020/12/2</a:t>
+              <a:t>2020/12/3</a:t>
             </a:fld>
             <a:endParaRPr lang="zh-CN" altLang="en-US"/>
           </a:p>
@@ -6346,7 +6346,7 @@
           <a:p>
             <a:fld id="{DDC86826-C030-4ABB-BAB8-ECCBC086F54C}" type="datetimeFigureOut">
               <a:rPr lang="zh-CN" altLang="en-US" smtClean="0"/>
-              <a:t>2020/12/2</a:t>
+              <a:t>2020/12/3</a:t>
             </a:fld>
             <a:endParaRPr lang="zh-CN" altLang="en-US"/>
           </a:p>
@@ -6473,7 +6473,7 @@
           <a:p>
             <a:fld id="{DDC86826-C030-4ABB-BAB8-ECCBC086F54C}" type="datetimeFigureOut">
               <a:rPr lang="zh-CN" altLang="en-US" smtClean="0"/>
-              <a:t>2020/12/2</a:t>
+              <a:t>2020/12/3</a:t>
             </a:fld>
             <a:endParaRPr lang="zh-CN" altLang="en-US"/>
           </a:p>
@@ -6887,7 +6887,7 @@
           <a:p>
             <a:fld id="{760FBDFE-C587-4B4C-A407-44438C67B59E}" type="datetimeFigureOut">
               <a:rPr lang="zh-CN" altLang="en-US" smtClean="0"/>
-              <a:t>2020/12/2</a:t>
+              <a:t>2020/12/3</a:t>
             </a:fld>
             <a:endParaRPr lang="zh-CN" altLang="en-US"/>
           </a:p>
@@ -7159,7 +7159,7 @@
           <a:p>
             <a:fld id="{9EFD9D74-47D9-4702-A33C-335B63B48DBF}" type="datetimeFigureOut">
               <a:rPr lang="zh-CN" altLang="en-US" smtClean="0"/>
-              <a:t>2020/12/2</a:t>
+              <a:t>2020/12/3</a:t>
             </a:fld>
             <a:endParaRPr lang="zh-CN" altLang="en-US" dirty="0"/>
           </a:p>
@@ -7356,7 +7356,7 @@
           <a:p>
             <a:fld id="{DDC86826-C030-4ABB-BAB8-ECCBC086F54C}" type="datetimeFigureOut">
               <a:rPr lang="zh-CN" altLang="en-US" smtClean="0"/>
-              <a:t>2020/12/2</a:t>
+              <a:t>2020/12/3</a:t>
             </a:fld>
             <a:endParaRPr lang="zh-CN" altLang="en-US"/>
           </a:p>
@@ -7458,7 +7458,7 @@
           <a:p>
             <a:fld id="{760FBDFE-C587-4B4C-A407-44438C67B59E}" type="datetimeFigureOut">
               <a:rPr lang="zh-CN" altLang="en-US" smtClean="0"/>
-              <a:t>2020/12/2</a:t>
+              <a:t>2020/12/3</a:t>
             </a:fld>
             <a:endParaRPr lang="zh-CN" altLang="en-US"/>
           </a:p>
@@ -7762,7 +7762,7 @@
           <a:p>
             <a:fld id="{DDC86826-C030-4ABB-BAB8-ECCBC086F54C}" type="datetimeFigureOut">
               <a:rPr lang="zh-CN" altLang="en-US" smtClean="0"/>
-              <a:t>2020/12/2</a:t>
+              <a:t>2020/12/3</a:t>
             </a:fld>
             <a:endParaRPr lang="zh-CN" altLang="en-US"/>
           </a:p>
@@ -8240,7 +8240,7 @@
           <a:p>
             <a:fld id="{760FBDFE-C587-4B4C-A407-44438C67B59E}" type="datetimeFigureOut">
               <a:rPr lang="zh-CN" altLang="en-US" smtClean="0"/>
-              <a:t>2020/12/2</a:t>
+              <a:t>2020/12/3</a:t>
             </a:fld>
             <a:endParaRPr lang="zh-CN" altLang="en-US"/>
           </a:p>
@@ -8948,7 +8948,7 @@
           <a:p>
             <a:fld id="{760FBDFE-C587-4B4C-A407-44438C67B59E}" type="datetimeFigureOut">
               <a:rPr lang="zh-CN" altLang="en-US" smtClean="0"/>
-              <a:t>2020/12/2</a:t>
+              <a:t>2020/12/3</a:t>
             </a:fld>
             <a:endParaRPr lang="zh-CN" altLang="en-US"/>
           </a:p>
@@ -9097,7 +9097,7 @@
           <a:p>
             <a:fld id="{760FBDFE-C587-4B4C-A407-44438C67B59E}" type="datetimeFigureOut">
               <a:rPr lang="zh-CN" altLang="en-US" smtClean="0"/>
-              <a:t>2020/12/2</a:t>
+              <a:t>2020/12/3</a:t>
             </a:fld>
             <a:endParaRPr lang="zh-CN" altLang="en-US"/>
           </a:p>
@@ -9199,7 +9199,7 @@
           <a:p>
             <a:fld id="{760FBDFE-C587-4B4C-A407-44438C67B59E}" type="datetimeFigureOut">
               <a:rPr lang="zh-CN" altLang="en-US" smtClean="0"/>
-              <a:t>2020/12/2</a:t>
+              <a:t>2020/12/3</a:t>
             </a:fld>
             <a:endParaRPr lang="zh-CN" altLang="en-US"/>
           </a:p>
@@ -9563,7 +9563,7 @@
           <a:p>
             <a:fld id="{9EFD9D74-47D9-4702-A33C-335B63B48DBF}" type="datetimeFigureOut">
               <a:rPr lang="zh-CN" altLang="en-US" smtClean="0"/>
-              <a:t>2020/12/2</a:t>
+              <a:t>2020/12/3</a:t>
             </a:fld>
             <a:endParaRPr lang="zh-CN" altLang="en-US" dirty="0"/>
           </a:p>
@@ -9810,7 +9810,7 @@
           <a:p>
             <a:fld id="{760FBDFE-C587-4B4C-A407-44438C67B59E}" type="datetimeFigureOut">
               <a:rPr lang="zh-CN" altLang="en-US" smtClean="0"/>
-              <a:t>2020/12/2</a:t>
+              <a:t>2020/12/3</a:t>
             </a:fld>
             <a:endParaRPr lang="zh-CN" altLang="en-US"/>
           </a:p>
@@ -10043,7 +10043,7 @@
           <a:p>
             <a:fld id="{760FBDFE-C587-4B4C-A407-44438C67B59E}" type="datetimeFigureOut">
               <a:rPr lang="zh-CN" altLang="en-US" smtClean="0"/>
-              <a:t>2020/12/2</a:t>
+              <a:t>2020/12/3</a:t>
             </a:fld>
             <a:endParaRPr lang="zh-CN" altLang="en-US"/>
           </a:p>
@@ -11348,7 +11348,7 @@
           <a:p>
             <a:fld id="{DDC86826-C030-4ABB-BAB8-ECCBC086F54C}" type="datetimeFigureOut">
               <a:rPr lang="zh-CN" altLang="en-US" smtClean="0"/>
-              <a:t>2020/12/2</a:t>
+              <a:t>2020/12/3</a:t>
             </a:fld>
             <a:endParaRPr lang="zh-CN" altLang="en-US"/>
           </a:p>
@@ -13429,6 +13429,535 @@
           </a:p>
         </p:txBody>
       </p:sp>
+      <p:sp>
+        <p:nvSpPr>
+          <p:cNvPr id="5" name="文本框 4"/>
+          <p:cNvSpPr txBox="1"/>
+          <p:nvPr>
+            <p:custDataLst>
+              <p:tags r:id="rId4"/>
+            </p:custDataLst>
+          </p:nvPr>
+        </p:nvSpPr>
+        <p:spPr>
+          <a:xfrm>
+            <a:off x="323528" y="1458295"/>
+            <a:ext cx="3080780" cy="710952"/>
+          </a:xfrm>
+          <a:prstGeom prst="rect">
+            <a:avLst/>
+          </a:prstGeom>
+          <a:noFill/>
+        </p:spPr>
+        <p:txBody>
+          <a:bodyPr vert="horz" lIns="67500" tIns="35100" rIns="67500" bIns="35100" rtlCol="0" anchor="ctr">
+            <a:noAutofit/>
+          </a:bodyPr>
+          <a:lstStyle>
+            <a:lvl1pPr marL="285750" indent="-285750" fontAlgn="auto">
+              <a:lnSpc>
+                <a:spcPct val="130000"/>
+              </a:lnSpc>
+              <a:spcBef>
+                <a:spcPts val="0"/>
+              </a:spcBef>
+              <a:spcAft>
+                <a:spcPts val="800"/>
+              </a:spcAft>
+              <a:buFont typeface="微软雅黑" panose="020B0503020204020204" charset="-122"/>
+              <a:buAutoNum type="ea1JpnChsDbPeriod"/>
+              <a:defRPr sz="1050" u="none" strike="noStrike" cap="none" spc="150" normalizeH="0" baseline="0">
+                <a:solidFill>
+                  <a:sysClr val="windowText" lastClr="000000">
+                    <a:lumMod val="95000"/>
+                    <a:lumOff val="5000"/>
+                  </a:sysClr>
+                </a:solidFill>
+                <a:uFillTx/>
+                <a:latin typeface="微软雅黑" panose="020B0503020204020204" charset="-122"/>
+                <a:ea typeface="微软雅黑" panose="020B0503020204020204" charset="-122"/>
+              </a:defRPr>
+            </a:lvl1pPr>
+            <a:lvl2pPr marL="685800" indent="-228600" fontAlgn="auto">
+              <a:lnSpc>
+                <a:spcPct val="130000"/>
+              </a:lnSpc>
+              <a:spcBef>
+                <a:spcPts val="0"/>
+              </a:spcBef>
+              <a:spcAft>
+                <a:spcPts val="1000"/>
+              </a:spcAft>
+              <a:buFont typeface="Arial" panose="020B0604020202020204" pitchFamily="34" charset="0"/>
+              <a:buChar char="•"/>
+              <a:tabLst>
+                <a:tab pos="1609725" algn="l"/>
+              </a:tabLst>
+              <a:defRPr sz="1600" u="none" strike="noStrike" cap="none" spc="150" normalizeH="0" baseline="0">
+                <a:uFillTx/>
+                <a:latin typeface="Arial" panose="020B0604020202020204" pitchFamily="34" charset="0"/>
+                <a:ea typeface="微软雅黑" panose="020B0503020204020204" charset="-122"/>
+              </a:defRPr>
+            </a:lvl2pPr>
+            <a:lvl3pPr marL="1143000" indent="-228600" fontAlgn="auto">
+              <a:lnSpc>
+                <a:spcPct val="130000"/>
+              </a:lnSpc>
+              <a:spcBef>
+                <a:spcPts val="0"/>
+              </a:spcBef>
+              <a:spcAft>
+                <a:spcPts val="1000"/>
+              </a:spcAft>
+              <a:buFont typeface="Arial" panose="020B0604020202020204" pitchFamily="34" charset="0"/>
+              <a:buChar char="•"/>
+              <a:defRPr sz="1600" u="none" strike="noStrike" cap="none" spc="150" normalizeH="0" baseline="0">
+                <a:uFillTx/>
+                <a:latin typeface="Arial" panose="020B0604020202020204" pitchFamily="34" charset="0"/>
+                <a:ea typeface="微软雅黑" panose="020B0503020204020204" charset="-122"/>
+              </a:defRPr>
+            </a:lvl3pPr>
+            <a:lvl4pPr marL="1600200" indent="-228600" fontAlgn="auto">
+              <a:lnSpc>
+                <a:spcPct val="130000"/>
+              </a:lnSpc>
+              <a:spcBef>
+                <a:spcPts val="0"/>
+              </a:spcBef>
+              <a:spcAft>
+                <a:spcPts val="1000"/>
+              </a:spcAft>
+              <a:buFont typeface="Arial" panose="020B0604020202020204" pitchFamily="34" charset="0"/>
+              <a:buChar char="•"/>
+              <a:defRPr sz="1600" u="none" strike="noStrike" cap="none" spc="150" normalizeH="0" baseline="0">
+                <a:uFillTx/>
+                <a:latin typeface="Arial" panose="020B0604020202020204" pitchFamily="34" charset="0"/>
+                <a:ea typeface="微软雅黑" panose="020B0503020204020204" charset="-122"/>
+              </a:defRPr>
+            </a:lvl4pPr>
+            <a:lvl5pPr marL="2057400" indent="-228600" fontAlgn="auto">
+              <a:lnSpc>
+                <a:spcPct val="130000"/>
+              </a:lnSpc>
+              <a:spcBef>
+                <a:spcPts val="0"/>
+              </a:spcBef>
+              <a:spcAft>
+                <a:spcPts val="1000"/>
+              </a:spcAft>
+              <a:buFont typeface="Arial" panose="020B0604020202020204" pitchFamily="34" charset="0"/>
+              <a:buChar char="•"/>
+              <a:defRPr sz="1600" u="none" strike="noStrike" cap="none" spc="150" normalizeH="0" baseline="0">
+                <a:uFillTx/>
+                <a:latin typeface="Arial" panose="020B0604020202020204" pitchFamily="34" charset="0"/>
+                <a:ea typeface="微软雅黑" panose="020B0503020204020204" charset="-122"/>
+              </a:defRPr>
+            </a:lvl5pPr>
+            <a:lvl6pPr marL="2514600" indent="-228600">
+              <a:lnSpc>
+                <a:spcPct val="90000"/>
+              </a:lnSpc>
+              <a:spcBef>
+                <a:spcPts val="500"/>
+              </a:spcBef>
+              <a:buFont typeface="Arial" panose="020B0604020202020204" pitchFamily="34" charset="0"/>
+              <a:buChar char="•"/>
+            </a:lvl6pPr>
+            <a:lvl7pPr marL="2971800" indent="-228600">
+              <a:lnSpc>
+                <a:spcPct val="90000"/>
+              </a:lnSpc>
+              <a:spcBef>
+                <a:spcPts val="500"/>
+              </a:spcBef>
+              <a:buFont typeface="Arial" panose="020B0604020202020204" pitchFamily="34" charset="0"/>
+              <a:buChar char="•"/>
+            </a:lvl7pPr>
+            <a:lvl8pPr marL="3429000" indent="-228600">
+              <a:lnSpc>
+                <a:spcPct val="90000"/>
+              </a:lnSpc>
+              <a:spcBef>
+                <a:spcPts val="500"/>
+              </a:spcBef>
+              <a:buFont typeface="Arial" panose="020B0604020202020204" pitchFamily="34" charset="0"/>
+              <a:buChar char="•"/>
+            </a:lvl8pPr>
+            <a:lvl9pPr marL="3886200" indent="-228600">
+              <a:lnSpc>
+                <a:spcPct val="90000"/>
+              </a:lnSpc>
+              <a:spcBef>
+                <a:spcPts val="500"/>
+              </a:spcBef>
+              <a:buFont typeface="Arial" panose="020B0604020202020204" pitchFamily="34" charset="0"/>
+              <a:buChar char="•"/>
+            </a:lvl9pPr>
+          </a:lstStyle>
+          <a:p>
+            <a:pPr>
+              <a:lnSpc>
+                <a:spcPts val="3200"/>
+              </a:lnSpc>
+              <a:buSzPct val="70000"/>
+              <a:buFont typeface="Wingdings" panose="05000000000000000000" pitchFamily="2" charset="2"/>
+              <a:buChar char="l"/>
+              <a:defRPr/>
+            </a:pPr>
+            <a:r>
+              <a:rPr lang="zh-CN" altLang="en-US" sz="2000" b="1" dirty="0">
+                <a:latin typeface="+mn-ea"/>
+              </a:rPr>
+              <a:t>任</a:t>
+            </a:r>
+            <a:r>
+              <a:rPr lang="zh-CN" altLang="en-US" sz="2000" b="1" dirty="0" smtClean="0">
+                <a:latin typeface="+mn-ea"/>
+              </a:rPr>
+              <a:t>务分配</a:t>
+            </a:r>
+            <a:endParaRPr lang="zh-CN" altLang="en-US" sz="1100" dirty="0">
+              <a:uFillTx/>
+            </a:endParaRPr>
+          </a:p>
+        </p:txBody>
+      </p:sp>
+      <p:graphicFrame>
+        <p:nvGraphicFramePr>
+          <p:cNvPr id="3" name="表格 2"/>
+          <p:cNvGraphicFramePr>
+            <a:graphicFrameLocks noGrp="1"/>
+          </p:cNvGraphicFramePr>
+          <p:nvPr>
+            <p:extLst>
+              <p:ext uri="{D42A27DB-BD31-4B8C-83A1-F6EECF244321}">
+                <p14:modId xmlns:p14="http://schemas.microsoft.com/office/powerpoint/2010/main" val="1142944190"/>
+              </p:ext>
+            </p:extLst>
+          </p:nvPr>
+        </p:nvGraphicFramePr>
+        <p:xfrm>
+          <a:off x="1475656" y="2348880"/>
+          <a:ext cx="6336704" cy="3601140"/>
+        </p:xfrm>
+        <a:graphic>
+          <a:graphicData uri="http://schemas.openxmlformats.org/drawingml/2006/table">
+            <a:tbl>
+              <a:tblPr firstRow="1" bandRow="1">
+                <a:tableStyleId>{5C22544A-7EE6-4342-B048-85BDC9FD1C3A}</a:tableStyleId>
+              </a:tblPr>
+              <a:tblGrid>
+                <a:gridCol w="1584176"/>
+                <a:gridCol w="1584176"/>
+                <a:gridCol w="1584176"/>
+                <a:gridCol w="1584176"/>
+              </a:tblGrid>
+              <a:tr h="900285">
+                <a:tc>
+                  <a:txBody>
+                    <a:bodyPr/>
+                    <a:lstStyle/>
+                    <a:p>
+                      <a:r>
+                        <a:rPr lang="zh-CN" altLang="en-US" dirty="0" smtClean="0">
+                          <a:solidFill>
+                            <a:schemeClr val="tx1"/>
+                          </a:solidFill>
+                        </a:rPr>
+                        <a:t>任务模块</a:t>
+                      </a:r>
+                      <a:endParaRPr lang="zh-CN" altLang="en-US" dirty="0">
+                        <a:solidFill>
+                          <a:schemeClr val="tx1"/>
+                        </a:solidFill>
+                      </a:endParaRPr>
+                    </a:p>
+                  </a:txBody>
+                  <a:tcPr/>
+                </a:tc>
+                <a:tc>
+                  <a:txBody>
+                    <a:bodyPr/>
+                    <a:lstStyle/>
+                    <a:p>
+                      <a:r>
+                        <a:rPr lang="en-US" altLang="zh-CN" sz="2400" b="0" dirty="0" smtClean="0">
+                          <a:solidFill>
+                            <a:schemeClr val="tx1"/>
+                          </a:solidFill>
+                        </a:rPr>
+                        <a:t>designing</a:t>
+                      </a:r>
+                      <a:endParaRPr lang="zh-CN" altLang="en-US" sz="2400" b="0" dirty="0">
+                        <a:solidFill>
+                          <a:schemeClr val="tx1"/>
+                        </a:solidFill>
+                      </a:endParaRPr>
+                    </a:p>
+                  </a:txBody>
+                  <a:tcPr/>
+                </a:tc>
+                <a:tc>
+                  <a:txBody>
+                    <a:bodyPr/>
+                    <a:lstStyle/>
+                    <a:p>
+                      <a:r>
+                        <a:rPr lang="en-US" altLang="zh-CN" sz="2400" b="0" dirty="0" smtClean="0">
+                          <a:solidFill>
+                            <a:schemeClr val="tx1"/>
+                          </a:solidFill>
+                        </a:rPr>
+                        <a:t>Coding</a:t>
+                      </a:r>
+                      <a:endParaRPr lang="zh-CN" altLang="en-US" sz="2400" b="0" dirty="0">
+                        <a:solidFill>
+                          <a:schemeClr val="tx1"/>
+                        </a:solidFill>
+                      </a:endParaRPr>
+                    </a:p>
+                  </a:txBody>
+                  <a:tcPr/>
+                </a:tc>
+                <a:tc>
+                  <a:txBody>
+                    <a:bodyPr/>
+                    <a:lstStyle/>
+                    <a:p>
+                      <a:r>
+                        <a:rPr lang="en-US" altLang="zh-CN" sz="2400" b="0" dirty="0" smtClean="0">
+                          <a:solidFill>
+                            <a:schemeClr val="tx1"/>
+                          </a:solidFill>
+                        </a:rPr>
+                        <a:t>Testing</a:t>
+                      </a:r>
+                      <a:endParaRPr lang="zh-CN" altLang="en-US" sz="2400" b="0" dirty="0">
+                        <a:solidFill>
+                          <a:schemeClr val="tx1"/>
+                        </a:solidFill>
+                      </a:endParaRPr>
+                    </a:p>
+                  </a:txBody>
+                  <a:tcPr/>
+                </a:tc>
+              </a:tr>
+              <a:tr h="900285">
+                <a:tc>
+                  <a:txBody>
+                    <a:bodyPr/>
+                    <a:lstStyle/>
+                    <a:p>
+                      <a:pPr marL="0" marR="0" lvl="0" indent="0" algn="l" defTabSz="914400" eaLnBrk="1" fontAlgn="base" latinLnBrk="0" hangingPunct="1">
+                        <a:lnSpc>
+                          <a:spcPct val="100000"/>
+                        </a:lnSpc>
+                        <a:spcBef>
+                          <a:spcPct val="0"/>
+                        </a:spcBef>
+                        <a:spcAft>
+                          <a:spcPct val="0"/>
+                        </a:spcAft>
+                        <a:buClrTx/>
+                        <a:buSzTx/>
+                        <a:buFontTx/>
+                        <a:buNone/>
+                        <a:tabLst/>
+                        <a:defRPr/>
+                      </a:pPr>
+                      <a:r>
+                        <a:rPr lang="zh-CN" altLang="en-US" dirty="0" smtClean="0"/>
+                        <a:t>攻略部分</a:t>
+                      </a:r>
+                    </a:p>
+                    <a:p>
+                      <a:endParaRPr lang="zh-CN" altLang="en-US" dirty="0"/>
+                    </a:p>
+                  </a:txBody>
+                  <a:tcPr/>
+                </a:tc>
+                <a:tc>
+                  <a:txBody>
+                    <a:bodyPr/>
+                    <a:lstStyle/>
+                    <a:p>
+                      <a:r>
+                        <a:rPr lang="zh-CN" altLang="en-US" dirty="0" smtClean="0"/>
+                        <a:t>董思诚</a:t>
+                      </a:r>
+                      <a:endParaRPr lang="zh-CN" altLang="en-US" dirty="0"/>
+                    </a:p>
+                  </a:txBody>
+                  <a:tcPr/>
+                </a:tc>
+                <a:tc>
+                  <a:txBody>
+                    <a:bodyPr/>
+                    <a:lstStyle/>
+                    <a:p>
+                      <a:r>
+                        <a:rPr lang="zh-CN" altLang="en-US" dirty="0" smtClean="0"/>
+                        <a:t>陈安</a:t>
+                      </a:r>
+                      <a:endParaRPr lang="zh-CN" altLang="en-US" dirty="0"/>
+                    </a:p>
+                  </a:txBody>
+                  <a:tcPr/>
+                </a:tc>
+                <a:tc>
+                  <a:txBody>
+                    <a:bodyPr/>
+                    <a:lstStyle/>
+                    <a:p>
+                      <a:r>
+                        <a:rPr lang="zh-CN" altLang="en-US" dirty="0" smtClean="0"/>
+                        <a:t>李磊</a:t>
+                      </a:r>
+                      <a:endParaRPr lang="zh-CN" altLang="en-US" dirty="0"/>
+                    </a:p>
+                  </a:txBody>
+                  <a:tcPr/>
+                </a:tc>
+              </a:tr>
+              <a:tr h="900285">
+                <a:tc>
+                  <a:txBody>
+                    <a:bodyPr/>
+                    <a:lstStyle/>
+                    <a:p>
+                      <a:pPr marL="0" marR="0" lvl="0" indent="0" algn="l" defTabSz="914400" eaLnBrk="1" fontAlgn="base" latinLnBrk="0" hangingPunct="1">
+                        <a:lnSpc>
+                          <a:spcPct val="100000"/>
+                        </a:lnSpc>
+                        <a:spcBef>
+                          <a:spcPct val="0"/>
+                        </a:spcBef>
+                        <a:spcAft>
+                          <a:spcPct val="0"/>
+                        </a:spcAft>
+                        <a:buClrTx/>
+                        <a:buSzTx/>
+                        <a:buFontTx/>
+                        <a:buNone/>
+                        <a:tabLst/>
+                        <a:defRPr/>
+                      </a:pPr>
+                      <a:r>
+                        <a:rPr lang="zh-CN" altLang="en-US" dirty="0" smtClean="0"/>
+                        <a:t>论坛部分</a:t>
+                      </a:r>
+                    </a:p>
+                    <a:p>
+                      <a:endParaRPr lang="zh-CN" altLang="en-US" dirty="0"/>
+                    </a:p>
+                  </a:txBody>
+                  <a:tcPr/>
+                </a:tc>
+                <a:tc>
+                  <a:txBody>
+                    <a:bodyPr/>
+                    <a:lstStyle/>
+                    <a:p>
+                      <a:r>
+                        <a:rPr lang="zh-CN" altLang="en-US" dirty="0" smtClean="0"/>
+                        <a:t>李磊</a:t>
+                      </a:r>
+                      <a:endParaRPr lang="zh-CN" altLang="en-US" dirty="0"/>
+                    </a:p>
+                  </a:txBody>
+                  <a:tcPr/>
+                </a:tc>
+                <a:tc>
+                  <a:txBody>
+                    <a:bodyPr/>
+                    <a:lstStyle/>
+                    <a:p>
+                      <a:r>
+                        <a:rPr lang="zh-CN" altLang="en-US" dirty="0" smtClean="0"/>
+                        <a:t>董思诚</a:t>
+                      </a:r>
+                      <a:endParaRPr lang="zh-CN" altLang="en-US" dirty="0"/>
+                    </a:p>
+                  </a:txBody>
+                  <a:tcPr/>
+                </a:tc>
+                <a:tc>
+                  <a:txBody>
+                    <a:bodyPr/>
+                    <a:lstStyle/>
+                    <a:p>
+                      <a:r>
+                        <a:rPr lang="zh-CN" altLang="en-US" dirty="0" smtClean="0"/>
+                        <a:t>陈安</a:t>
+                      </a:r>
+                      <a:endParaRPr lang="zh-CN" altLang="en-US" dirty="0"/>
+                    </a:p>
+                  </a:txBody>
+                  <a:tcPr/>
+                </a:tc>
+              </a:tr>
+              <a:tr h="900285">
+                <a:tc>
+                  <a:txBody>
+                    <a:bodyPr/>
+                    <a:lstStyle/>
+                    <a:p>
+                      <a:r>
+                        <a:rPr lang="zh-CN" altLang="en-US" dirty="0" smtClean="0"/>
+                        <a:t>用户管理员部分</a:t>
+                      </a:r>
+                      <a:endParaRPr lang="zh-CN" altLang="en-US" dirty="0"/>
+                    </a:p>
+                  </a:txBody>
+                  <a:tcPr/>
+                </a:tc>
+                <a:tc>
+                  <a:txBody>
+                    <a:bodyPr/>
+                    <a:lstStyle/>
+                    <a:p>
+                      <a:r>
+                        <a:rPr lang="zh-CN" altLang="en-US" dirty="0" smtClean="0"/>
+                        <a:t>陈安</a:t>
+                      </a:r>
+                      <a:endParaRPr lang="zh-CN" altLang="en-US" dirty="0"/>
+                    </a:p>
+                  </a:txBody>
+                  <a:tcPr/>
+                </a:tc>
+                <a:tc>
+                  <a:txBody>
+                    <a:bodyPr/>
+                    <a:lstStyle/>
+                    <a:p>
+                      <a:r>
+                        <a:rPr lang="zh-CN" altLang="en-US" dirty="0" smtClean="0"/>
+                        <a:t>李磊</a:t>
+                      </a:r>
+                      <a:endParaRPr lang="zh-CN" altLang="en-US" dirty="0"/>
+                    </a:p>
+                  </a:txBody>
+                  <a:tcPr/>
+                </a:tc>
+                <a:tc>
+                  <a:txBody>
+                    <a:bodyPr/>
+                    <a:lstStyle/>
+                    <a:p>
+                      <a:r>
+                        <a:rPr lang="zh-CN" altLang="en-US" dirty="0" smtClean="0"/>
+                        <a:t>董思诚</a:t>
+                      </a:r>
+                      <a:endParaRPr lang="zh-CN" altLang="en-US" dirty="0"/>
+                    </a:p>
+                  </a:txBody>
+                  <a:tcPr/>
+                </a:tc>
+              </a:tr>
+            </a:tbl>
+          </a:graphicData>
+        </a:graphic>
+      </p:graphicFrame>
     </p:spTree>
     <p:custDataLst>
       <p:tags r:id="rId1"/>
@@ -16122,11 +16651,7 @@
           <a:p>
             <a:r>
               <a:rPr lang="en-US" altLang="zh-CN" sz="2400" b="1" dirty="0" smtClean="0"/>
-              <a:t>3</a:t>
-            </a:r>
-            <a:r>
-              <a:rPr lang="en-US" altLang="zh-CN" sz="2400" b="1" dirty="0" smtClean="0"/>
-              <a:t>.</a:t>
+              <a:t>3.</a:t>
             </a:r>
             <a:r>
               <a:rPr lang="zh-CN" altLang="en-US" sz="2400" b="1" dirty="0" smtClean="0"/>
@@ -16148,11 +16673,7 @@
           <a:p>
             <a:r>
               <a:rPr lang="en-US" altLang="zh-CN" sz="2400" b="1" dirty="0" smtClean="0"/>
-              <a:t>5</a:t>
-            </a:r>
-            <a:r>
-              <a:rPr lang="en-US" altLang="zh-CN" sz="2400" b="1" dirty="0" smtClean="0"/>
-              <a:t>.</a:t>
+              <a:t>5.</a:t>
             </a:r>
             <a:r>
               <a:rPr lang="zh-CN" altLang="en-US" sz="2400" b="1" dirty="0"/>
@@ -18658,13 +19179,7 @@
               <a:rPr lang="zh-CN" altLang="en-US" sz="2000" b="1" dirty="0" smtClean="0">
                 <a:latin typeface="+mn-ea"/>
               </a:rPr>
-              <a:t>户手册</a:t>
-            </a:r>
-            <a:r>
-              <a:rPr lang="zh-CN" altLang="en-US" sz="2000" b="1" dirty="0" smtClean="0">
-                <a:latin typeface="+mn-ea"/>
-              </a:rPr>
-              <a:t>模板使用</a:t>
+              <a:t>户手册模板使用</a:t>
             </a:r>
             <a:r>
               <a:rPr lang="en-US" altLang="zh-CN" sz="2000" b="1" dirty="0" smtClean="0">
@@ -20900,13 +21415,33 @@
 
 <file path=ppt/tags/tag192.xml><?xml version="1.0" encoding="utf-8"?>
 <p:tagLst xmlns:a="http://schemas.openxmlformats.org/drawingml/2006/main" xmlns:r="http://schemas.openxmlformats.org/officeDocument/2006/relationships" xmlns:p="http://schemas.openxmlformats.org/presentationml/2006/main">
+  <p:tag name="KSO_WM_UNIT_HIGHLIGHT" val="0"/>
+  <p:tag name="KSO_WM_UNIT_COMPATIBLE" val="0"/>
+  <p:tag name="KSO_WM_UNIT_DIAGRAM_ISNUMVISUAL" val="0"/>
+  <p:tag name="KSO_WM_UNIT_DIAGRAM_ISREFERUNIT" val="0"/>
+  <p:tag name="KSO_WM_UNIT_ID" val="diagram20200773_1*f*1"/>
+  <p:tag name="KSO_WM_TEMPLATE_CATEGORY" val="diagram"/>
+  <p:tag name="KSO_WM_TEMPLATE_INDEX" val="20200773"/>
+  <p:tag name="KSO_WM_UNIT_LAYERLEVEL" val="1"/>
+  <p:tag name="KSO_WM_TAG_VERSION" val="1.0"/>
+  <p:tag name="KSO_WM_BEAUTIFY_FLAG" val="#wm#"/>
+  <p:tag name="KSO_WM_UNIT_PRESET_TEXT" val="单击此处添加文本具体内容，简明扼要的阐述您的观点。根据需要可酌情增减文字，以便观者准确的理解您传达的思想。单击此处添加文本具体内容，简明扼要的阐述您的观点。根据需要可酌情增减文字，以便观者准确的理解您传达的思想。单击此处添加文本具体内容，简明扼要的阐述您的观点。根据需要可酌情增减文字，以便观者准确的理解您传达的思想。&#10;单击此处添加文本具体内容，简明扼要的阐述您的观点。根据需要可酌情增减文字，以便观者准确的理解您传达的思想。&#10;单击此处添加文本具体内容，简明扼要的阐述您的观点。&#10;单击此处添加文本具体内容，简明扼要的阐述您的观点。&#10;单击此处添加文本具体内容，简明扼要的阐述您的观点。&#10;单击此处添加文本具体内容，简明扼要的阐述您的观点。根据需要可酌情增减文字，以便观者准确的理解您传达的思想。单击此处添加文本具体内容，简明扼要的阐述您的观点。根据需要可酌情增减文字，以便观者准确的理解您传达的思想。单击此处添加文本具体内容，简明扼要的阐述您的观点。根据需要可酌情增减文字，以便观者准确的理解您传达的思想。单击此处添加文本具体内容，简明扼要的阐述您的观点。&#10;单击此处添加文本具体内容，简明扼要的阐述您的观点。根据需要可酌情增减文字，以便观者准确的理解您传达的思想。单击此处添加文本具体内容，简明扼要的阐述您的观点。根据需要可酌情增减文字，以便观者准确的理解您传达的思想。&#10;单击此处添加文本具体内容，简明扼要的阐述您的观点。根据需要可酌情增减文字，以便观者准确的理解您传达的思想。单击此处添加文本具体内容，简明扼要的阐述您的观点。根据需要可酌情增减文字，以便观者准确的理解您传达的思想。单击此处添加文本具体内容，简明扼要的阐述您的观点。根据需要可酌情增减文字，以便观者准确的理解您传达的思想。&#10;单击此处添加文本具体内容。"/>
+  <p:tag name="KSO_WM_UNIT_NOCLEAR" val="0"/>
+  <p:tag name="KSO_WM_UNIT_VALUE" val="1680"/>
+  <p:tag name="KSO_WM_UNIT_TYPE" val="f"/>
+  <p:tag name="KSO_WM_UNIT_INDEX" val="1"/>
+</p:tagLst>
+</file>
+
+<file path=ppt/tags/tag193.xml><?xml version="1.0" encoding="utf-8"?>
+<p:tagLst xmlns:a="http://schemas.openxmlformats.org/drawingml/2006/main" xmlns:r="http://schemas.openxmlformats.org/officeDocument/2006/relationships" xmlns:p="http://schemas.openxmlformats.org/presentationml/2006/main">
   <p:tag name="KSO_WM_BEAUTIFY_FLAG" val="#wm#"/>
   <p:tag name="KSO_WM_TEMPLATE_CATEGORY" val="diagram"/>
   <p:tag name="KSO_WM_TEMPLATE_INDEX" val="20200773"/>
 </p:tagLst>
 </file>
 
-<file path=ppt/tags/tag193.xml><?xml version="1.0" encoding="utf-8"?>
+<file path=ppt/tags/tag194.xml><?xml version="1.0" encoding="utf-8"?>
 <p:tagLst xmlns:a="http://schemas.openxmlformats.org/drawingml/2006/main" xmlns:r="http://schemas.openxmlformats.org/officeDocument/2006/relationships" xmlns:p="http://schemas.openxmlformats.org/presentationml/2006/main">
   <p:tag name="KSO_WM_UNIT_HIGHLIGHT" val="0"/>
   <p:tag name="KSO_WM_UNIT_COMPATIBLE" val="0"/>
@@ -20923,7 +21458,7 @@
 </p:tagLst>
 </file>
 
-<file path=ppt/tags/tag194.xml><?xml version="1.0" encoding="utf-8"?>
+<file path=ppt/tags/tag195.xml><?xml version="1.0" encoding="utf-8"?>
 <p:tagLst xmlns:a="http://schemas.openxmlformats.org/drawingml/2006/main" xmlns:r="http://schemas.openxmlformats.org/officeDocument/2006/relationships" xmlns:p="http://schemas.openxmlformats.org/presentationml/2006/main">
   <p:tag name="KSO_WM_UNIT_HIGHLIGHT" val="0"/>
   <p:tag name="KSO_WM_UNIT_COMPATIBLE" val="0"/>
@@ -20944,7 +21479,7 @@
 </p:tagLst>
 </file>
 
-<file path=ppt/tags/tag195.xml><?xml version="1.0" encoding="utf-8"?>
+<file path=ppt/tags/tag196.xml><?xml version="1.0" encoding="utf-8"?>
 <p:tagLst xmlns:a="http://schemas.openxmlformats.org/drawingml/2006/main" xmlns:r="http://schemas.openxmlformats.org/officeDocument/2006/relationships" xmlns:p="http://schemas.openxmlformats.org/presentationml/2006/main">
   <p:tag name="KSO_WM_BEAUTIFY_FLAG" val="#wm#"/>
   <p:tag name="KSO_WM_TEMPLATE_CATEGORY" val="diagram"/>
@@ -20952,7 +21487,7 @@
 </p:tagLst>
 </file>
 
-<file path=ppt/tags/tag196.xml><?xml version="1.0" encoding="utf-8"?>
+<file path=ppt/tags/tag197.xml><?xml version="1.0" encoding="utf-8"?>
 <p:tagLst xmlns:a="http://schemas.openxmlformats.org/drawingml/2006/main" xmlns:r="http://schemas.openxmlformats.org/officeDocument/2006/relationships" xmlns:p="http://schemas.openxmlformats.org/presentationml/2006/main">
   <p:tag name="KSO_WM_UNIT_HIGHLIGHT" val="0"/>
   <p:tag name="KSO_WM_UNIT_COMPATIBLE" val="0"/>
@@ -20969,7 +21504,7 @@
 </p:tagLst>
 </file>
 
-<file path=ppt/tags/tag197.xml><?xml version="1.0" encoding="utf-8"?>
+<file path=ppt/tags/tag198.xml><?xml version="1.0" encoding="utf-8"?>
 <p:tagLst xmlns:a="http://schemas.openxmlformats.org/drawingml/2006/main" xmlns:r="http://schemas.openxmlformats.org/officeDocument/2006/relationships" xmlns:p="http://schemas.openxmlformats.org/presentationml/2006/main">
   <p:tag name="KSO_WM_UNIT_HIGHLIGHT" val="0"/>
   <p:tag name="KSO_WM_UNIT_COMPATIBLE" val="0"/>
@@ -20990,7 +21525,7 @@
 </p:tagLst>
 </file>
 
-<file path=ppt/tags/tag198.xml><?xml version="1.0" encoding="utf-8"?>
+<file path=ppt/tags/tag199.xml><?xml version="1.0" encoding="utf-8"?>
 <p:tagLst xmlns:a="http://schemas.openxmlformats.org/drawingml/2006/main" xmlns:r="http://schemas.openxmlformats.org/officeDocument/2006/relationships" xmlns:p="http://schemas.openxmlformats.org/presentationml/2006/main">
   <p:tag name="KSO_WM_UNIT_HIGHLIGHT" val="0"/>
   <p:tag name="KSO_WM_UNIT_COMPATIBLE" val="0"/>
@@ -21010,7 +21545,37 @@
 </p:tagLst>
 </file>
 
-<file path=ppt/tags/tag199.xml><?xml version="1.0" encoding="utf-8"?>
+<file path=ppt/tags/tag2.xml><?xml version="1.0" encoding="utf-8"?>
+<p:tagLst xmlns:a="http://schemas.openxmlformats.org/drawingml/2006/main" xmlns:r="http://schemas.openxmlformats.org/officeDocument/2006/relationships" xmlns:p="http://schemas.openxmlformats.org/presentationml/2006/main">
+  <p:tag name="KSO_WM_TAG_VERSION" val="1.0"/>
+  <p:tag name="KSO_WM_BEAUTIFY_FLAG" val="#wm#"/>
+  <p:tag name="KSO_WM_UNIT_HIGHLIGHT" val="0"/>
+  <p:tag name="KSO_WM_UNIT_COMPATIBLE" val="0"/>
+  <p:tag name="KSO_WM_UNIT_DIAGRAM_ISNUMVISUAL" val="0"/>
+  <p:tag name="KSO_WM_UNIT_DIAGRAM_ISREFERUNIT" val="0"/>
+  <p:tag name="KSO_WM_UNIT_ID" val="_0**"/>
+  <p:tag name="KSO_WM_UNIT_LAYERLEVEL" val="1"/>
+  <p:tag name="KSO_WM_TEMPLATE_CATEGORY" val="background"/>
+  <p:tag name="KSO_WM_TEMPLATE_INDEX" val="20191704"/>
+</p:tagLst>
+</file>
+
+<file path=ppt/tags/tag20.xml><?xml version="1.0" encoding="utf-8"?>
+<p:tagLst xmlns:a="http://schemas.openxmlformats.org/drawingml/2006/main" xmlns:r="http://schemas.openxmlformats.org/officeDocument/2006/relationships" xmlns:p="http://schemas.openxmlformats.org/presentationml/2006/main">
+  <p:tag name="KSO_WM_UNIT_HIGHLIGHT" val="0"/>
+  <p:tag name="KSO_WM_UNIT_COMPATIBLE" val="0"/>
+  <p:tag name="KSO_WM_UNIT_DIAGRAM_ISNUMVISUAL" val="0"/>
+  <p:tag name="KSO_WM_UNIT_DIAGRAM_ISREFERUNIT" val="0"/>
+  <p:tag name="KSO_WM_UNIT_ID" val="_2*γ*1"/>
+  <p:tag name="KSO_WM_UNIT_LAYERLEVEL" val="1"/>
+  <p:tag name="KSO_WM_TAG_VERSION" val="1.0"/>
+  <p:tag name="KSO_WM_BEAUTIFY_FLAG" val="#wm#"/>
+  <p:tag name="KSO_WM_UNIT_TYPE" val="γ"/>
+  <p:tag name="KSO_WM_UNIT_INDEX" val="1"/>
+</p:tagLst>
+</file>
+
+<file path=ppt/tags/tag200.xml><?xml version="1.0" encoding="utf-8"?>
 <p:tagLst xmlns:a="http://schemas.openxmlformats.org/drawingml/2006/main" xmlns:r="http://schemas.openxmlformats.org/officeDocument/2006/relationships" xmlns:p="http://schemas.openxmlformats.org/presentationml/2006/main">
   <p:tag name="KSO_WM_SLIDE_ID" val="diagram20200773_1"/>
   <p:tag name="KSO_WM_SLIDE_ITEM_CNT" val="0"/>
@@ -21030,37 +21595,7 @@
 </p:tagLst>
 </file>
 
-<file path=ppt/tags/tag2.xml><?xml version="1.0" encoding="utf-8"?>
-<p:tagLst xmlns:a="http://schemas.openxmlformats.org/drawingml/2006/main" xmlns:r="http://schemas.openxmlformats.org/officeDocument/2006/relationships" xmlns:p="http://schemas.openxmlformats.org/presentationml/2006/main">
-  <p:tag name="KSO_WM_TAG_VERSION" val="1.0"/>
-  <p:tag name="KSO_WM_BEAUTIFY_FLAG" val="#wm#"/>
-  <p:tag name="KSO_WM_UNIT_HIGHLIGHT" val="0"/>
-  <p:tag name="KSO_WM_UNIT_COMPATIBLE" val="0"/>
-  <p:tag name="KSO_WM_UNIT_DIAGRAM_ISNUMVISUAL" val="0"/>
-  <p:tag name="KSO_WM_UNIT_DIAGRAM_ISREFERUNIT" val="0"/>
-  <p:tag name="KSO_WM_UNIT_ID" val="_0**"/>
-  <p:tag name="KSO_WM_UNIT_LAYERLEVEL" val="1"/>
-  <p:tag name="KSO_WM_TEMPLATE_CATEGORY" val="background"/>
-  <p:tag name="KSO_WM_TEMPLATE_INDEX" val="20191704"/>
-</p:tagLst>
-</file>
-
-<file path=ppt/tags/tag20.xml><?xml version="1.0" encoding="utf-8"?>
-<p:tagLst xmlns:a="http://schemas.openxmlformats.org/drawingml/2006/main" xmlns:r="http://schemas.openxmlformats.org/officeDocument/2006/relationships" xmlns:p="http://schemas.openxmlformats.org/presentationml/2006/main">
-  <p:tag name="KSO_WM_UNIT_HIGHLIGHT" val="0"/>
-  <p:tag name="KSO_WM_UNIT_COMPATIBLE" val="0"/>
-  <p:tag name="KSO_WM_UNIT_DIAGRAM_ISNUMVISUAL" val="0"/>
-  <p:tag name="KSO_WM_UNIT_DIAGRAM_ISREFERUNIT" val="0"/>
-  <p:tag name="KSO_WM_UNIT_ID" val="_2*γ*1"/>
-  <p:tag name="KSO_WM_UNIT_LAYERLEVEL" val="1"/>
-  <p:tag name="KSO_WM_TAG_VERSION" val="1.0"/>
-  <p:tag name="KSO_WM_BEAUTIFY_FLAG" val="#wm#"/>
-  <p:tag name="KSO_WM_UNIT_TYPE" val="γ"/>
-  <p:tag name="KSO_WM_UNIT_INDEX" val="1"/>
-</p:tagLst>
-</file>
-
-<file path=ppt/tags/tag200.xml><?xml version="1.0" encoding="utf-8"?>
+<file path=ppt/tags/tag201.xml><?xml version="1.0" encoding="utf-8"?>
 <p:tagLst xmlns:a="http://schemas.openxmlformats.org/drawingml/2006/main" xmlns:r="http://schemas.openxmlformats.org/officeDocument/2006/relationships" xmlns:p="http://schemas.openxmlformats.org/presentationml/2006/main">
   <p:tag name="KSO_WM_UNIT_HIGHLIGHT" val="0"/>
   <p:tag name="KSO_WM_UNIT_COMPATIBLE" val="0"/>
@@ -21077,7 +21612,7 @@
 </p:tagLst>
 </file>
 
-<file path=ppt/tags/tag201.xml><?xml version="1.0" encoding="utf-8"?>
+<file path=ppt/tags/tag202.xml><?xml version="1.0" encoding="utf-8"?>
 <p:tagLst xmlns:a="http://schemas.openxmlformats.org/drawingml/2006/main" xmlns:r="http://schemas.openxmlformats.org/officeDocument/2006/relationships" xmlns:p="http://schemas.openxmlformats.org/presentationml/2006/main">
   <p:tag name="KSO_WM_UNIT_HIGHLIGHT" val="0"/>
   <p:tag name="KSO_WM_UNIT_COMPATIBLE" val="0"/>
@@ -21098,7 +21633,7 @@
 </p:tagLst>
 </file>
 
-<file path=ppt/tags/tag202.xml><?xml version="1.0" encoding="utf-8"?>
+<file path=ppt/tags/tag203.xml><?xml version="1.0" encoding="utf-8"?>
 <p:tagLst xmlns:a="http://schemas.openxmlformats.org/drawingml/2006/main" xmlns:r="http://schemas.openxmlformats.org/officeDocument/2006/relationships" xmlns:p="http://schemas.openxmlformats.org/presentationml/2006/main">
   <p:tag name="KSO_WM_UNIT_HIGHLIGHT" val="0"/>
   <p:tag name="KSO_WM_UNIT_COMPATIBLE" val="0"/>
@@ -21118,7 +21653,7 @@
 </p:tagLst>
 </file>
 
-<file path=ppt/tags/tag203.xml><?xml version="1.0" encoding="utf-8"?>
+<file path=ppt/tags/tag204.xml><?xml version="1.0" encoding="utf-8"?>
 <p:tagLst xmlns:a="http://schemas.openxmlformats.org/drawingml/2006/main" xmlns:r="http://schemas.openxmlformats.org/officeDocument/2006/relationships" xmlns:p="http://schemas.openxmlformats.org/presentationml/2006/main">
   <p:tag name="KSO_WM_TAG_VERSION" val="1.0"/>
   <p:tag name="KSO_WM_SLIDE_ITEM_CNT" val="0"/>
@@ -21136,7 +21671,7 @@
 </p:tagLst>
 </file>
 
-<file path=ppt/tags/tag204.xml><?xml version="1.0" encoding="utf-8"?>
+<file path=ppt/tags/tag205.xml><?xml version="1.0" encoding="utf-8"?>
 <p:tagLst xmlns:a="http://schemas.openxmlformats.org/drawingml/2006/main" xmlns:r="http://schemas.openxmlformats.org/officeDocument/2006/relationships" xmlns:p="http://schemas.openxmlformats.org/presentationml/2006/main">
   <p:tag name="KSO_WM_TAG_VERSION" val="1.0"/>
   <p:tag name="KSO_WM_BEAUTIFY_FLAG" val="#wm#"/>
@@ -21156,7 +21691,7 @@
 </p:tagLst>
 </file>
 
-<file path=ppt/tags/tag205.xml><?xml version="1.0" encoding="utf-8"?>
+<file path=ppt/tags/tag206.xml><?xml version="1.0" encoding="utf-8"?>
 <p:tagLst xmlns:a="http://schemas.openxmlformats.org/drawingml/2006/main" xmlns:r="http://schemas.openxmlformats.org/officeDocument/2006/relationships" xmlns:p="http://schemas.openxmlformats.org/presentationml/2006/main">
   <p:tag name="KSO_WM_SLIDE_ID" val="diagram20200773_1"/>
   <p:tag name="KSO_WM_SLIDE_ITEM_CNT" val="0"/>
@@ -21176,7 +21711,7 @@
 </p:tagLst>
 </file>
 
-<file path=ppt/tags/tag206.xml><?xml version="1.0" encoding="utf-8"?>
+<file path=ppt/tags/tag207.xml><?xml version="1.0" encoding="utf-8"?>
 <p:tagLst xmlns:a="http://schemas.openxmlformats.org/drawingml/2006/main" xmlns:r="http://schemas.openxmlformats.org/officeDocument/2006/relationships" xmlns:p="http://schemas.openxmlformats.org/presentationml/2006/main">
   <p:tag name="KSO_WM_UNIT_HIGHLIGHT" val="0"/>
   <p:tag name="KSO_WM_UNIT_COMPATIBLE" val="0"/>
@@ -21193,7 +21728,7 @@
 </p:tagLst>
 </file>
 
-<file path=ppt/tags/tag207.xml><?xml version="1.0" encoding="utf-8"?>
+<file path=ppt/tags/tag208.xml><?xml version="1.0" encoding="utf-8"?>
 <p:tagLst xmlns:a="http://schemas.openxmlformats.org/drawingml/2006/main" xmlns:r="http://schemas.openxmlformats.org/officeDocument/2006/relationships" xmlns:p="http://schemas.openxmlformats.org/presentationml/2006/main">
   <p:tag name="KSO_WM_UNIT_HIGHLIGHT" val="0"/>
   <p:tag name="KSO_WM_UNIT_COMPATIBLE" val="0"/>
@@ -21214,7 +21749,7 @@
 </p:tagLst>
 </file>
 
-<file path=ppt/tags/tag208.xml><?xml version="1.0" encoding="utf-8"?>
+<file path=ppt/tags/tag209.xml><?xml version="1.0" encoding="utf-8"?>
 <p:tagLst xmlns:a="http://schemas.openxmlformats.org/drawingml/2006/main" xmlns:r="http://schemas.openxmlformats.org/officeDocument/2006/relationships" xmlns:p="http://schemas.openxmlformats.org/presentationml/2006/main">
   <p:tag name="KSO_WM_UNIT_HIGHLIGHT" val="0"/>
   <p:tag name="KSO_WM_UNIT_COMPATIBLE" val="0"/>
@@ -21234,7 +21769,22 @@
 </p:tagLst>
 </file>
 
-<file path=ppt/tags/tag209.xml><?xml version="1.0" encoding="utf-8"?>
+<file path=ppt/tags/tag21.xml><?xml version="1.0" encoding="utf-8"?>
+<p:tagLst xmlns:a="http://schemas.openxmlformats.org/drawingml/2006/main" xmlns:r="http://schemas.openxmlformats.org/officeDocument/2006/relationships" xmlns:p="http://schemas.openxmlformats.org/presentationml/2006/main">
+  <p:tag name="KSO_WM_UNIT_HIGHLIGHT" val="0"/>
+  <p:tag name="KSO_WM_UNIT_COMPATIBLE" val="0"/>
+  <p:tag name="KSO_WM_UNIT_DIAGRAM_ISNUMVISUAL" val="0"/>
+  <p:tag name="KSO_WM_UNIT_DIAGRAM_ISREFERUNIT" val="0"/>
+  <p:tag name="KSO_WM_UNIT_TYPE" val="γ"/>
+  <p:tag name="KSO_WM_UNIT_INDEX" val="2"/>
+  <p:tag name="KSO_WM_UNIT_ID" val="_2*γ*2"/>
+  <p:tag name="KSO_WM_UNIT_LAYERLEVEL" val="1"/>
+  <p:tag name="KSO_WM_TAG_VERSION" val="1.0"/>
+  <p:tag name="KSO_WM_BEAUTIFY_FLAG" val="#wm#"/>
+</p:tagLst>
+</file>
+
+<file path=ppt/tags/tag210.xml><?xml version="1.0" encoding="utf-8"?>
 <p:tagLst xmlns:a="http://schemas.openxmlformats.org/drawingml/2006/main" xmlns:r="http://schemas.openxmlformats.org/officeDocument/2006/relationships" xmlns:p="http://schemas.openxmlformats.org/presentationml/2006/main">
   <p:tag name="KSO_WM_TAG_VERSION" val="1.0"/>
   <p:tag name="KSO_WM_SLIDE_ITEM_CNT" val="0"/>
@@ -21252,22 +21802,7 @@
 </p:tagLst>
 </file>
 
-<file path=ppt/tags/tag21.xml><?xml version="1.0" encoding="utf-8"?>
-<p:tagLst xmlns:a="http://schemas.openxmlformats.org/drawingml/2006/main" xmlns:r="http://schemas.openxmlformats.org/officeDocument/2006/relationships" xmlns:p="http://schemas.openxmlformats.org/presentationml/2006/main">
-  <p:tag name="KSO_WM_UNIT_HIGHLIGHT" val="0"/>
-  <p:tag name="KSO_WM_UNIT_COMPATIBLE" val="0"/>
-  <p:tag name="KSO_WM_UNIT_DIAGRAM_ISNUMVISUAL" val="0"/>
-  <p:tag name="KSO_WM_UNIT_DIAGRAM_ISREFERUNIT" val="0"/>
-  <p:tag name="KSO_WM_UNIT_TYPE" val="γ"/>
-  <p:tag name="KSO_WM_UNIT_INDEX" val="2"/>
-  <p:tag name="KSO_WM_UNIT_ID" val="_2*γ*2"/>
-  <p:tag name="KSO_WM_UNIT_LAYERLEVEL" val="1"/>
-  <p:tag name="KSO_WM_TAG_VERSION" val="1.0"/>
-  <p:tag name="KSO_WM_BEAUTIFY_FLAG" val="#wm#"/>
-</p:tagLst>
-</file>
-
-<file path=ppt/tags/tag210.xml><?xml version="1.0" encoding="utf-8"?>
+<file path=ppt/tags/tag211.xml><?xml version="1.0" encoding="utf-8"?>
 <p:tagLst xmlns:a="http://schemas.openxmlformats.org/drawingml/2006/main" xmlns:r="http://schemas.openxmlformats.org/officeDocument/2006/relationships" xmlns:p="http://schemas.openxmlformats.org/presentationml/2006/main">
   <p:tag name="KSO_WM_TAG_VERSION" val="1.0"/>
   <p:tag name="KSO_WM_BEAUTIFY_FLAG" val="#wm#"/>
@@ -21288,7 +21823,7 @@
 </p:tagLst>
 </file>
 
-<file path=ppt/tags/tag211.xml><?xml version="1.0" encoding="utf-8"?>
+<file path=ppt/tags/tag212.xml><?xml version="1.0" encoding="utf-8"?>
 <p:tagLst xmlns:a="http://schemas.openxmlformats.org/drawingml/2006/main" xmlns:r="http://schemas.openxmlformats.org/officeDocument/2006/relationships" xmlns:p="http://schemas.openxmlformats.org/presentationml/2006/main">
   <p:tag name="KSO_WM_TAG_VERSION" val="1.0"/>
   <p:tag name="KSO_WM_BEAUTIFY_FLAG" val="#wm#"/>
